--- a/IT008-Visual programming/Slide thực hành/Lab 2.pptx
+++ b/IT008-Visual programming/Slide thực hành/Lab 2.pptx
@@ -5,7 +5,7 @@
     <p:sldMasterId id="2147483648" r:id="rId1"/>
   </p:sldMasterIdLst>
   <p:notesMasterIdLst>
-    <p:notesMasterId r:id="rId9"/>
+    <p:notesMasterId r:id="rId10"/>
   </p:notesMasterIdLst>
   <p:sldIdLst>
     <p:sldId id="269" r:id="rId2"/>
@@ -15,6 +15,7 @@
     <p:sldId id="279" r:id="rId6"/>
     <p:sldId id="280" r:id="rId7"/>
     <p:sldId id="281" r:id="rId8"/>
+    <p:sldId id="282" r:id="rId9"/>
   </p:sldIdLst>
   <p:sldSz cx="12192000" cy="6858000"/>
   <p:notesSz cx="6858000" cy="9144000"/>
@@ -202,7 +203,7 @@
           </a:lstStyle>
           <a:p>
             <a:fld id="{D58EBEF0-1929-6C4C-9D10-0A24CA585262}" type="datetimeFigureOut">
-              <a:t>10/10/2023</a:t>
+              <a:t>18/10/2023</a:t>
             </a:fld>
             <a:endParaRPr lang="en-VN"/>
           </a:p>
@@ -597,7 +598,7 @@
           <a:lstStyle/>
           <a:p>
             <a:fld id="{0DDB0C27-5CC0-AE4B-A9B6-1C1A8F15976E}" type="datetime1">
-              <a:t>10/10/2023</a:t>
+              <a:t>18/10/2023</a:t>
             </a:fld>
             <a:endParaRPr lang="en-US"/>
           </a:p>
@@ -764,7 +765,7 @@
           <a:lstStyle/>
           <a:p>
             <a:fld id="{A1AB976C-5E89-BE46-B6A2-18E033DC7B7F}" type="datetime1">
-              <a:t>10/10/2023</a:t>
+              <a:t>18/10/2023</a:t>
             </a:fld>
             <a:endParaRPr lang="en-US"/>
           </a:p>
@@ -941,7 +942,7 @@
           <a:lstStyle/>
           <a:p>
             <a:fld id="{D3EB9961-F7AC-F442-9DA7-5C044E83E8F0}" type="datetime1">
-              <a:t>10/10/2023</a:t>
+              <a:t>18/10/2023</a:t>
             </a:fld>
             <a:endParaRPr lang="en-US"/>
           </a:p>
@@ -1108,7 +1109,7 @@
           <a:lstStyle/>
           <a:p>
             <a:fld id="{2BC5C2EC-D52B-4E49-9BD2-7F34EF2A2110}" type="datetime1">
-              <a:t>10/10/2023</a:t>
+              <a:t>18/10/2023</a:t>
             </a:fld>
             <a:endParaRPr lang="en-US"/>
           </a:p>
@@ -1352,7 +1353,7 @@
           <a:lstStyle/>
           <a:p>
             <a:fld id="{2E689BA2-5EDF-204F-BDB5-47A63D89879F}" type="datetime1">
-              <a:t>10/10/2023</a:t>
+              <a:t>18/10/2023</a:t>
             </a:fld>
             <a:endParaRPr lang="en-US"/>
           </a:p>
@@ -1580,7 +1581,7 @@
           <a:lstStyle/>
           <a:p>
             <a:fld id="{C71BC0A1-3625-D949-894B-12A4B1103545}" type="datetime1">
-              <a:t>10/10/2023</a:t>
+              <a:t>18/10/2023</a:t>
             </a:fld>
             <a:endParaRPr lang="en-US"/>
           </a:p>
@@ -1943,7 +1944,7 @@
           <a:lstStyle/>
           <a:p>
             <a:fld id="{631AF034-057E-7E42-A703-A16CE37858B1}" type="datetime1">
-              <a:t>10/10/2023</a:t>
+              <a:t>18/10/2023</a:t>
             </a:fld>
             <a:endParaRPr lang="en-US"/>
           </a:p>
@@ -2059,7 +2060,7 @@
           <a:lstStyle/>
           <a:p>
             <a:fld id="{6C312224-5262-0D45-8752-AD88DF7DF160}" type="datetime1">
-              <a:t>10/10/2023</a:t>
+              <a:t>18/10/2023</a:t>
             </a:fld>
             <a:endParaRPr lang="en-US"/>
           </a:p>
@@ -2153,7 +2154,7 @@
           <a:lstStyle/>
           <a:p>
             <a:fld id="{186C3894-04D4-E046-8AC0-98EC70D1D50C}" type="datetime1">
-              <a:t>10/10/2023</a:t>
+              <a:t>18/10/2023</a:t>
             </a:fld>
             <a:endParaRPr lang="en-US"/>
           </a:p>
@@ -2427,7 +2428,7 @@
           <a:lstStyle/>
           <a:p>
             <a:fld id="{BD6227EF-D3E1-B74B-97FE-FE43DF3D709B}" type="datetime1">
-              <a:t>10/10/2023</a:t>
+              <a:t>18/10/2023</a:t>
             </a:fld>
             <a:endParaRPr lang="en-US"/>
           </a:p>
@@ -2678,7 +2679,7 @@
           <a:lstStyle/>
           <a:p>
             <a:fld id="{1A1BECCB-56EF-1541-9CBC-CE4FC0155FEE}" type="datetime1">
-              <a:t>10/10/2023</a:t>
+              <a:t>18/10/2023</a:t>
             </a:fld>
             <a:endParaRPr lang="en-US"/>
           </a:p>
@@ -2888,7 +2889,7 @@
           </a:lstStyle>
           <a:p>
             <a:fld id="{0DFD353B-B5AB-CF4C-8D9F-51BDAFC66301}" type="datetime1">
-              <a:t>10/10/2023</a:t>
+              <a:t>18/10/2023</a:t>
             </a:fld>
             <a:endParaRPr lang="en-US"/>
           </a:p>
@@ -9083,6 +9084,337 @@
     <p:extLst>
       <p:ext uri="{BB962C8B-B14F-4D97-AF65-F5344CB8AC3E}">
         <p14:creationId xmlns:p14="http://schemas.microsoft.com/office/powerpoint/2010/main" val="134604410"/>
+      </p:ext>
+    </p:extLst>
+  </p:cSld>
+  <p:clrMapOvr>
+    <a:masterClrMapping/>
+  </p:clrMapOvr>
+</p:sld>
+</file>
+
+<file path=ppt/slides/slide8.xml><?xml version="1.0" encoding="utf-8"?>
+<p:sld xmlns:a="http://schemas.openxmlformats.org/drawingml/2006/main" xmlns:r="http://schemas.openxmlformats.org/officeDocument/2006/relationships" xmlns:p="http://schemas.openxmlformats.org/presentationml/2006/main">
+  <p:cSld>
+    <p:spTree>
+      <p:nvGrpSpPr>
+        <p:cNvPr id="1" name=""/>
+        <p:cNvGrpSpPr/>
+        <p:nvPr/>
+      </p:nvGrpSpPr>
+      <p:grpSpPr>
+        <a:xfrm>
+          <a:off x="0" y="0"/>
+          <a:ext cx="0" cy="0"/>
+          <a:chOff x="0" y="0"/>
+          <a:chExt cx="0" cy="0"/>
+        </a:xfrm>
+      </p:grpSpPr>
+      <p:sp>
+        <p:nvSpPr>
+          <p:cNvPr id="4" name="Slide Number Placeholder 3">
+            <a:extLst>
+              <a:ext uri="{FF2B5EF4-FFF2-40B4-BE49-F238E27FC236}">
+                <a16:creationId xmlns:a16="http://schemas.microsoft.com/office/drawing/2014/main" id="{E075FBC0-8A39-D979-5E67-F36AB4A670E8}"/>
+              </a:ext>
+            </a:extLst>
+          </p:cNvPr>
+          <p:cNvSpPr>
+            <a:spLocks noGrp="1"/>
+          </p:cNvSpPr>
+          <p:nvPr>
+            <p:ph type="sldNum" sz="quarter" idx="12"/>
+          </p:nvPr>
+        </p:nvSpPr>
+        <p:spPr/>
+        <p:txBody>
+          <a:bodyPr/>
+          <a:lstStyle/>
+          <a:p>
+            <a:fld id="{9D563E13-6253-4AA0-BAE6-80A963751161}" type="slidenum">
+              <a:rPr lang="en-US" smtClean="0"/>
+              <a:t>8</a:t>
+            </a:fld>
+            <a:endParaRPr lang="en-US"/>
+          </a:p>
+        </p:txBody>
+      </p:sp>
+      <p:pic>
+        <p:nvPicPr>
+          <p:cNvPr id="5" name="Picture 4">
+            <a:extLst>
+              <a:ext uri="{FF2B5EF4-FFF2-40B4-BE49-F238E27FC236}">
+                <a16:creationId xmlns:a16="http://schemas.microsoft.com/office/drawing/2014/main" id="{79F787E9-1942-38D8-C6A7-7D86C9A9E5CB}"/>
+              </a:ext>
+            </a:extLst>
+          </p:cNvPr>
+          <p:cNvPicPr>
+            <a:picLocks noChangeAspect="1"/>
+          </p:cNvPicPr>
+          <p:nvPr/>
+        </p:nvPicPr>
+        <p:blipFill>
+          <a:blip r:embed="rId2"/>
+          <a:stretch>
+            <a:fillRect/>
+          </a:stretch>
+        </p:blipFill>
+        <p:spPr>
+          <a:xfrm>
+            <a:off x="3916136" y="3089604"/>
+            <a:ext cx="3467100" cy="2616200"/>
+          </a:xfrm>
+          <a:prstGeom prst="rect">
+            <a:avLst/>
+          </a:prstGeom>
+        </p:spPr>
+      </p:pic>
+      <p:sp>
+        <p:nvSpPr>
+          <p:cNvPr id="6" name="TextBox 5">
+            <a:extLst>
+              <a:ext uri="{FF2B5EF4-FFF2-40B4-BE49-F238E27FC236}">
+                <a16:creationId xmlns:a16="http://schemas.microsoft.com/office/drawing/2014/main" id="{164F02B9-40AC-7D5A-506B-8162033DF1E1}"/>
+              </a:ext>
+            </a:extLst>
+          </p:cNvPr>
+          <p:cNvSpPr txBox="1"/>
+          <p:nvPr/>
+        </p:nvSpPr>
+        <p:spPr>
+          <a:xfrm>
+            <a:off x="5181600" y="5987018"/>
+            <a:ext cx="1828800" cy="369332"/>
+          </a:xfrm>
+          <a:prstGeom prst="rect">
+            <a:avLst/>
+          </a:prstGeom>
+          <a:noFill/>
+        </p:spPr>
+        <p:txBody>
+          <a:bodyPr wrap="square" rtlCol="0">
+            <a:spAutoFit/>
+          </a:bodyPr>
+          <a:lstStyle/>
+          <a:p>
+            <a:r>
+              <a:rPr lang="en-US"/>
+              <a:t>B</a:t>
+            </a:r>
+            <a:r>
+              <a:rPr lang="en-VN"/>
+              <a:t>eta = 1</a:t>
+            </a:r>
+          </a:p>
+        </p:txBody>
+      </p:sp>
+      <p:pic>
+        <p:nvPicPr>
+          <p:cNvPr id="8" name="Picture 7">
+            <a:extLst>
+              <a:ext uri="{FF2B5EF4-FFF2-40B4-BE49-F238E27FC236}">
+                <a16:creationId xmlns:a16="http://schemas.microsoft.com/office/drawing/2014/main" id="{3C7D97E6-6A1E-8142-A8FB-03DB2735E6B4}"/>
+              </a:ext>
+            </a:extLst>
+          </p:cNvPr>
+          <p:cNvPicPr>
+            <a:picLocks noChangeAspect="1"/>
+          </p:cNvPicPr>
+          <p:nvPr/>
+        </p:nvPicPr>
+        <p:blipFill>
+          <a:blip r:embed="rId3"/>
+          <a:stretch>
+            <a:fillRect/>
+          </a:stretch>
+        </p:blipFill>
+        <p:spPr>
+          <a:xfrm>
+            <a:off x="449036" y="3089604"/>
+            <a:ext cx="3467100" cy="2616200"/>
+          </a:xfrm>
+          <a:prstGeom prst="rect">
+            <a:avLst/>
+          </a:prstGeom>
+        </p:spPr>
+      </p:pic>
+      <p:sp>
+        <p:nvSpPr>
+          <p:cNvPr id="9" name="TextBox 8">
+            <a:extLst>
+              <a:ext uri="{FF2B5EF4-FFF2-40B4-BE49-F238E27FC236}">
+                <a16:creationId xmlns:a16="http://schemas.microsoft.com/office/drawing/2014/main" id="{E1766F26-2D63-AF39-C699-DDE686326C76}"/>
+              </a:ext>
+            </a:extLst>
+          </p:cNvPr>
+          <p:cNvSpPr txBox="1"/>
+          <p:nvPr/>
+        </p:nvSpPr>
+        <p:spPr>
+          <a:xfrm>
+            <a:off x="1752600" y="5987018"/>
+            <a:ext cx="1828800" cy="369332"/>
+          </a:xfrm>
+          <a:prstGeom prst="rect">
+            <a:avLst/>
+          </a:prstGeom>
+          <a:noFill/>
+        </p:spPr>
+        <p:txBody>
+          <a:bodyPr wrap="square" rtlCol="0">
+            <a:spAutoFit/>
+          </a:bodyPr>
+          <a:lstStyle/>
+          <a:p>
+            <a:r>
+              <a:rPr lang="en-US"/>
+              <a:t>B</a:t>
+            </a:r>
+            <a:r>
+              <a:rPr lang="en-VN"/>
+              <a:t>eta = 0</a:t>
+            </a:r>
+          </a:p>
+        </p:txBody>
+      </p:sp>
+      <p:pic>
+        <p:nvPicPr>
+          <p:cNvPr id="10" name="Picture 9">
+            <a:extLst>
+              <a:ext uri="{FF2B5EF4-FFF2-40B4-BE49-F238E27FC236}">
+                <a16:creationId xmlns:a16="http://schemas.microsoft.com/office/drawing/2014/main" id="{17FCAA9A-0681-EBC0-1F25-612914379F88}"/>
+              </a:ext>
+            </a:extLst>
+          </p:cNvPr>
+          <p:cNvPicPr>
+            <a:picLocks noChangeAspect="1"/>
+          </p:cNvPicPr>
+          <p:nvPr/>
+        </p:nvPicPr>
+        <p:blipFill>
+          <a:blip r:embed="rId4"/>
+          <a:stretch>
+            <a:fillRect/>
+          </a:stretch>
+        </p:blipFill>
+        <p:spPr>
+          <a:xfrm>
+            <a:off x="7383236" y="3089604"/>
+            <a:ext cx="3467100" cy="2616200"/>
+          </a:xfrm>
+          <a:prstGeom prst="rect">
+            <a:avLst/>
+          </a:prstGeom>
+        </p:spPr>
+      </p:pic>
+      <p:sp>
+        <p:nvSpPr>
+          <p:cNvPr id="11" name="TextBox 10">
+            <a:extLst>
+              <a:ext uri="{FF2B5EF4-FFF2-40B4-BE49-F238E27FC236}">
+                <a16:creationId xmlns:a16="http://schemas.microsoft.com/office/drawing/2014/main" id="{DFF4C8B9-F751-A76A-82A7-940DAA1CEA3F}"/>
+              </a:ext>
+            </a:extLst>
+          </p:cNvPr>
+          <p:cNvSpPr txBox="1"/>
+          <p:nvPr/>
+        </p:nvSpPr>
+        <p:spPr>
+          <a:xfrm>
+            <a:off x="8610600" y="5987018"/>
+            <a:ext cx="1828800" cy="369332"/>
+          </a:xfrm>
+          <a:prstGeom prst="rect">
+            <a:avLst/>
+          </a:prstGeom>
+          <a:noFill/>
+        </p:spPr>
+        <p:txBody>
+          <a:bodyPr wrap="square" rtlCol="0">
+            <a:spAutoFit/>
+          </a:bodyPr>
+          <a:lstStyle/>
+          <a:p>
+            <a:r>
+              <a:rPr lang="en-US"/>
+              <a:t>B</a:t>
+            </a:r>
+            <a:r>
+              <a:rPr lang="en-VN"/>
+              <a:t>eta = 5</a:t>
+            </a:r>
+          </a:p>
+        </p:txBody>
+      </p:sp>
+      <p:pic>
+        <p:nvPicPr>
+          <p:cNvPr id="12" name="Picture 11">
+            <a:extLst>
+              <a:ext uri="{FF2B5EF4-FFF2-40B4-BE49-F238E27FC236}">
+                <a16:creationId xmlns:a16="http://schemas.microsoft.com/office/drawing/2014/main" id="{77B6083C-AFE6-9E9E-7AC3-43FD17DC98B4}"/>
+              </a:ext>
+            </a:extLst>
+          </p:cNvPr>
+          <p:cNvPicPr>
+            <a:picLocks noChangeAspect="1"/>
+          </p:cNvPicPr>
+          <p:nvPr/>
+        </p:nvPicPr>
+        <p:blipFill>
+          <a:blip r:embed="rId5"/>
+          <a:stretch>
+            <a:fillRect/>
+          </a:stretch>
+        </p:blipFill>
+        <p:spPr>
+          <a:xfrm>
+            <a:off x="2734752" y="521358"/>
+            <a:ext cx="6019800" cy="1917700"/>
+          </a:xfrm>
+          <a:prstGeom prst="rect">
+            <a:avLst/>
+          </a:prstGeom>
+        </p:spPr>
+      </p:pic>
+      <p:sp>
+        <p:nvSpPr>
+          <p:cNvPr id="13" name="TextBox 12">
+            <a:extLst>
+              <a:ext uri="{FF2B5EF4-FFF2-40B4-BE49-F238E27FC236}">
+                <a16:creationId xmlns:a16="http://schemas.microsoft.com/office/drawing/2014/main" id="{12839BDD-6510-4DE3-F743-4F43D177DC79}"/>
+              </a:ext>
+            </a:extLst>
+          </p:cNvPr>
+          <p:cNvSpPr txBox="1"/>
+          <p:nvPr/>
+        </p:nvSpPr>
+        <p:spPr>
+          <a:xfrm>
+            <a:off x="3096986" y="2623724"/>
+            <a:ext cx="6019800" cy="369332"/>
+          </a:xfrm>
+          <a:prstGeom prst="rect">
+            <a:avLst/>
+          </a:prstGeom>
+          <a:noFill/>
+        </p:spPr>
+        <p:txBody>
+          <a:bodyPr wrap="square" rtlCol="0">
+            <a:spAutoFit/>
+          </a:bodyPr>
+          <a:lstStyle/>
+          <a:p>
+            <a:r>
+              <a:rPr lang="en-VN"/>
+              <a:t>Circuit from GA, fixed depth = 10, compilation gibbs state</a:t>
+            </a:r>
+          </a:p>
+        </p:txBody>
+      </p:sp>
+    </p:spTree>
+    <p:extLst>
+      <p:ext uri="{BB962C8B-B14F-4D97-AF65-F5344CB8AC3E}">
+        <p14:creationId xmlns:p14="http://schemas.microsoft.com/office/powerpoint/2010/main" val="376526341"/>
       </p:ext>
     </p:extLst>
   </p:cSld>
